--- a/PPT/Week1.pptx
+++ b/PPT/Week1.pptx
@@ -35,21 +35,21 @@
   <p:notesSz cx="10234613" cy="7104063"/>
   <p:embeddedFontLst>
     <p:embeddedFont>
-      <p:font typeface="나눔고딕" panose="020D0604000000000000" pitchFamily="50" charset="-127"/>
+      <p:font typeface="Cambria Math" panose="02040503050406030204" pitchFamily="18" charset="0"/>
       <p:regular r:id="rId23"/>
-      <p:bold r:id="rId24"/>
     </p:embeddedFont>
     <p:embeddedFont>
       <p:font typeface="맑은 고딕" panose="020B0503020000020004" pitchFamily="50" charset="-127"/>
-      <p:regular r:id="rId25"/>
-      <p:bold r:id="rId26"/>
+      <p:regular r:id="rId24"/>
+      <p:bold r:id="rId25"/>
+    </p:embeddedFont>
+    <p:embeddedFont>
+      <p:font typeface="나눔고딕" panose="020D0604000000000000" pitchFamily="50" charset="-127"/>
+      <p:regular r:id="rId26"/>
+      <p:bold r:id="rId27"/>
     </p:embeddedFont>
     <p:embeddedFont>
       <p:font typeface="나눔손글씨 펜" panose="03040600000000000000" pitchFamily="66" charset="-127"/>
-      <p:regular r:id="rId27"/>
-    </p:embeddedFont>
-    <p:embeddedFont>
-      <p:font typeface="Cambria Math" panose="02040503050406030204" pitchFamily="18" charset="0"/>
       <p:regular r:id="rId28"/>
     </p:embeddedFont>
   </p:embeddedFontLst>
@@ -273,7 +273,7 @@
           <a:p>
             <a:fld id="{0C2D21F8-F96E-48F0-9840-6DC8BE6490D1}" type="datetimeFigureOut">
               <a:rPr lang="ko-KR" altLang="en-US" smtClean="0"/>
-              <a:t>2018-03-16</a:t>
+              <a:t>2018-03-19</a:t>
             </a:fld>
             <a:endParaRPr lang="ko-KR" altLang="en-US"/>
           </a:p>
@@ -451,7 +451,7 @@
             <a:fld id="{9C9A239D-8EAB-4675-960D-33BF23570D9B}" type="datetimeFigureOut">
               <a:rPr lang="ko-KR" altLang="en-US" smtClean="0"/>
               <a:pPr/>
-              <a:t>2018-03-16</a:t>
+              <a:t>2018-03-19</a:t>
             </a:fld>
             <a:endParaRPr lang="ko-KR" altLang="en-US"/>
           </a:p>
@@ -2810,7 +2810,7 @@
             <a:fld id="{AC9BE419-3DBD-4114-8239-FD00F4B4DADF}" type="datetimeFigureOut">
               <a:rPr lang="ko-KR" altLang="en-US" smtClean="0"/>
               <a:pPr/>
-              <a:t>2018-03-16</a:t>
+              <a:t>2018-03-19</a:t>
             </a:fld>
             <a:endParaRPr lang="ko-KR" altLang="en-US"/>
           </a:p>
@@ -4235,7 +4235,7 @@
             <a:fld id="{AC9BE419-3DBD-4114-8239-FD00F4B4DADF}" type="datetimeFigureOut">
               <a:rPr lang="ko-KR" altLang="en-US" smtClean="0"/>
               <a:pPr/>
-              <a:t>2018-03-16</a:t>
+              <a:t>2018-03-19</a:t>
             </a:fld>
             <a:endParaRPr lang="ko-KR" altLang="en-US"/>
           </a:p>
